--- a/presentation.pptx
+++ b/presentation.pptx
@@ -4,6 +4,9 @@
   <p:sldMasterIdLst>
     <p:sldMasterId id="2147483648" r:id="rId1"/>
   </p:sldMasterIdLst>
+  <p:notesMasterIdLst>
+    <p:notesMasterId r:id="rId13"/>
+  </p:notesMasterIdLst>
   <p:sldIdLst>
     <p:sldId id="256" r:id="rId2"/>
     <p:sldId id="264" r:id="rId3"/>
@@ -14,9 +17,8 @@
     <p:sldId id="260" r:id="rId8"/>
     <p:sldId id="261" r:id="rId9"/>
     <p:sldId id="263" r:id="rId10"/>
-    <p:sldId id="265" r:id="rId11"/>
-    <p:sldId id="266" r:id="rId12"/>
-    <p:sldId id="267" r:id="rId13"/>
+    <p:sldId id="266" r:id="rId11"/>
+    <p:sldId id="267" r:id="rId12"/>
   </p:sldIdLst>
   <p:sldSz cx="7315200" cy="4114800"/>
   <p:notesSz cx="6858000" cy="9144000"/>
@@ -116,6 +118,434 @@
     </a:lvl9pPr>
   </p:defaultTextStyle>
 </p:presentation>
+</file>
+
+<file path=ppt/notesMasters/notesMaster1.xml><?xml version="1.0" encoding="utf-8"?>
+<p:notesMaster xmlns:a="http://schemas.openxmlformats.org/drawingml/2006/main" xmlns:r="http://schemas.openxmlformats.org/officeDocument/2006/relationships" xmlns:p="http://schemas.openxmlformats.org/presentationml/2006/main">
+  <p:cSld>
+    <p:bg>
+      <p:bgRef idx="1001">
+        <a:schemeClr val="bg1"/>
+      </p:bgRef>
+    </p:bg>
+    <p:spTree>
+      <p:nvGrpSpPr>
+        <p:cNvPr id="1" name=""/>
+        <p:cNvGrpSpPr/>
+        <p:nvPr/>
+      </p:nvGrpSpPr>
+      <p:grpSpPr>
+        <a:xfrm>
+          <a:off x="0" y="0"/>
+          <a:ext cx="0" cy="0"/>
+          <a:chOff x="0" y="0"/>
+          <a:chExt cx="0" cy="0"/>
+        </a:xfrm>
+      </p:grpSpPr>
+      <p:sp>
+        <p:nvSpPr>
+          <p:cNvPr id="2" name="Header Placeholder 1"/>
+          <p:cNvSpPr>
+            <a:spLocks noGrp="1"/>
+          </p:cNvSpPr>
+          <p:nvPr>
+            <p:ph type="hdr" sz="quarter"/>
+          </p:nvPr>
+        </p:nvSpPr>
+        <p:spPr>
+          <a:xfrm>
+            <a:off x="0" y="0"/>
+            <a:ext cx="2971800" cy="457200"/>
+          </a:xfrm>
+          <a:prstGeom prst="rect">
+            <a:avLst/>
+          </a:prstGeom>
+        </p:spPr>
+        <p:txBody>
+          <a:bodyPr vert="horz" lIns="91440" tIns="45720" rIns="91440" bIns="45720" rtlCol="0"/>
+          <a:lstStyle>
+            <a:lvl1pPr algn="l">
+              <a:defRPr sz="1200"/>
+            </a:lvl1pPr>
+          </a:lstStyle>
+          <a:p>
+            <a:endParaRPr lang="en-US"/>
+          </a:p>
+        </p:txBody>
+      </p:sp>
+      <p:sp>
+        <p:nvSpPr>
+          <p:cNvPr id="3" name="Date Placeholder 2"/>
+          <p:cNvSpPr>
+            <a:spLocks noGrp="1"/>
+          </p:cNvSpPr>
+          <p:nvPr>
+            <p:ph type="dt" idx="1"/>
+          </p:nvPr>
+        </p:nvSpPr>
+        <p:spPr>
+          <a:xfrm>
+            <a:off x="3884613" y="0"/>
+            <a:ext cx="2971800" cy="457200"/>
+          </a:xfrm>
+          <a:prstGeom prst="rect">
+            <a:avLst/>
+          </a:prstGeom>
+        </p:spPr>
+        <p:txBody>
+          <a:bodyPr vert="horz" lIns="91440" tIns="45720" rIns="91440" bIns="45720" rtlCol="0"/>
+          <a:lstStyle>
+            <a:lvl1pPr algn="r">
+              <a:defRPr sz="1200"/>
+            </a:lvl1pPr>
+          </a:lstStyle>
+          <a:p>
+            <a:fld id="{5196BFB1-8165-43AB-9E56-12418B0CE669}" type="datetimeFigureOut">
+              <a:rPr lang="en-US" smtClean="0"/>
+              <a:t>10/14/2022</a:t>
+            </a:fld>
+            <a:endParaRPr lang="en-US"/>
+          </a:p>
+        </p:txBody>
+      </p:sp>
+      <p:sp>
+        <p:nvSpPr>
+          <p:cNvPr id="4" name="Slide Image Placeholder 3"/>
+          <p:cNvSpPr>
+            <a:spLocks noGrp="1" noRot="1" noChangeAspect="1"/>
+          </p:cNvSpPr>
+          <p:nvPr>
+            <p:ph type="sldImg" idx="2"/>
+          </p:nvPr>
+        </p:nvSpPr>
+        <p:spPr>
+          <a:xfrm>
+            <a:off x="381000" y="685800"/>
+            <a:ext cx="6096000" cy="3429000"/>
+          </a:xfrm>
+          <a:prstGeom prst="rect">
+            <a:avLst/>
+          </a:prstGeom>
+          <a:noFill/>
+          <a:ln w="12700">
+            <a:solidFill>
+              <a:prstClr val="black"/>
+            </a:solidFill>
+          </a:ln>
+        </p:spPr>
+        <p:txBody>
+          <a:bodyPr vert="horz" lIns="91440" tIns="45720" rIns="91440" bIns="45720" rtlCol="0" anchor="ctr"/>
+          <a:lstStyle/>
+          <a:p>
+            <a:endParaRPr lang="en-US"/>
+          </a:p>
+        </p:txBody>
+      </p:sp>
+      <p:sp>
+        <p:nvSpPr>
+          <p:cNvPr id="5" name="Notes Placeholder 4"/>
+          <p:cNvSpPr>
+            <a:spLocks noGrp="1"/>
+          </p:cNvSpPr>
+          <p:nvPr>
+            <p:ph type="body" sz="quarter" idx="3"/>
+          </p:nvPr>
+        </p:nvSpPr>
+        <p:spPr>
+          <a:xfrm>
+            <a:off x="685800" y="4343400"/>
+            <a:ext cx="5486400" cy="4114800"/>
+          </a:xfrm>
+          <a:prstGeom prst="rect">
+            <a:avLst/>
+          </a:prstGeom>
+        </p:spPr>
+        <p:txBody>
+          <a:bodyPr vert="horz" lIns="91440" tIns="45720" rIns="91440" bIns="45720" rtlCol="0">
+            <a:normAutofit/>
+          </a:bodyPr>
+          <a:lstStyle/>
+          <a:p>
+            <a:pPr lvl="0"/>
+            <a:r>
+              <a:rPr lang="en-US" smtClean="0"/>
+              <a:t>Click to edit Master text styles</a:t>
+            </a:r>
+          </a:p>
+          <a:p>
+            <a:pPr lvl="1"/>
+            <a:r>
+              <a:rPr lang="en-US" smtClean="0"/>
+              <a:t>Second level</a:t>
+            </a:r>
+          </a:p>
+          <a:p>
+            <a:pPr lvl="2"/>
+            <a:r>
+              <a:rPr lang="en-US" smtClean="0"/>
+              <a:t>Third level</a:t>
+            </a:r>
+          </a:p>
+          <a:p>
+            <a:pPr lvl="3"/>
+            <a:r>
+              <a:rPr lang="en-US" smtClean="0"/>
+              <a:t>Fourth level</a:t>
+            </a:r>
+          </a:p>
+          <a:p>
+            <a:pPr lvl="4"/>
+            <a:r>
+              <a:rPr lang="en-US" smtClean="0"/>
+              <a:t>Fifth level</a:t>
+            </a:r>
+            <a:endParaRPr lang="en-US"/>
+          </a:p>
+        </p:txBody>
+      </p:sp>
+      <p:sp>
+        <p:nvSpPr>
+          <p:cNvPr id="6" name="Footer Placeholder 5"/>
+          <p:cNvSpPr>
+            <a:spLocks noGrp="1"/>
+          </p:cNvSpPr>
+          <p:nvPr>
+            <p:ph type="ftr" sz="quarter" idx="4"/>
+          </p:nvPr>
+        </p:nvSpPr>
+        <p:spPr>
+          <a:xfrm>
+            <a:off x="0" y="8685213"/>
+            <a:ext cx="2971800" cy="457200"/>
+          </a:xfrm>
+          <a:prstGeom prst="rect">
+            <a:avLst/>
+          </a:prstGeom>
+        </p:spPr>
+        <p:txBody>
+          <a:bodyPr vert="horz" lIns="91440" tIns="45720" rIns="91440" bIns="45720" rtlCol="0" anchor="b"/>
+          <a:lstStyle>
+            <a:lvl1pPr algn="l">
+              <a:defRPr sz="1200"/>
+            </a:lvl1pPr>
+          </a:lstStyle>
+          <a:p>
+            <a:endParaRPr lang="en-US"/>
+          </a:p>
+        </p:txBody>
+      </p:sp>
+      <p:sp>
+        <p:nvSpPr>
+          <p:cNvPr id="7" name="Slide Number Placeholder 6"/>
+          <p:cNvSpPr>
+            <a:spLocks noGrp="1"/>
+          </p:cNvSpPr>
+          <p:nvPr>
+            <p:ph type="sldNum" sz="quarter" idx="5"/>
+          </p:nvPr>
+        </p:nvSpPr>
+        <p:spPr>
+          <a:xfrm>
+            <a:off x="3884613" y="8685213"/>
+            <a:ext cx="2971800" cy="457200"/>
+          </a:xfrm>
+          <a:prstGeom prst="rect">
+            <a:avLst/>
+          </a:prstGeom>
+        </p:spPr>
+        <p:txBody>
+          <a:bodyPr vert="horz" lIns="91440" tIns="45720" rIns="91440" bIns="45720" rtlCol="0" anchor="b"/>
+          <a:lstStyle>
+            <a:lvl1pPr algn="r">
+              <a:defRPr sz="1200"/>
+            </a:lvl1pPr>
+          </a:lstStyle>
+          <a:p>
+            <a:fld id="{93FF6805-0E3B-4C76-BA5B-189C2B5F17B9}" type="slidenum">
+              <a:rPr lang="en-US" smtClean="0"/>
+              <a:t>‹#›</a:t>
+            </a:fld>
+            <a:endParaRPr lang="en-US"/>
+          </a:p>
+        </p:txBody>
+      </p:sp>
+    </p:spTree>
+  </p:cSld>
+  <p:clrMap bg1="lt1" tx1="dk1" bg2="lt2" tx2="dk2" accent1="accent1" accent2="accent2" accent3="accent3" accent4="accent4" accent5="accent5" accent6="accent6" hlink="hlink" folHlink="folHlink"/>
+  <p:notesStyle>
+    <a:lvl1pPr marL="0" algn="l" defTabSz="637217" rtl="0" eaLnBrk="1" latinLnBrk="0" hangingPunct="1">
+      <a:defRPr sz="800" kern="1200">
+        <a:solidFill>
+          <a:schemeClr val="tx1"/>
+        </a:solidFill>
+        <a:latin typeface="+mn-lt"/>
+        <a:ea typeface="+mn-ea"/>
+        <a:cs typeface="+mn-cs"/>
+      </a:defRPr>
+    </a:lvl1pPr>
+    <a:lvl2pPr marL="318609" algn="l" defTabSz="637217" rtl="0" eaLnBrk="1" latinLnBrk="0" hangingPunct="1">
+      <a:defRPr sz="800" kern="1200">
+        <a:solidFill>
+          <a:schemeClr val="tx1"/>
+        </a:solidFill>
+        <a:latin typeface="+mn-lt"/>
+        <a:ea typeface="+mn-ea"/>
+        <a:cs typeface="+mn-cs"/>
+      </a:defRPr>
+    </a:lvl2pPr>
+    <a:lvl3pPr marL="637217" algn="l" defTabSz="637217" rtl="0" eaLnBrk="1" latinLnBrk="0" hangingPunct="1">
+      <a:defRPr sz="800" kern="1200">
+        <a:solidFill>
+          <a:schemeClr val="tx1"/>
+        </a:solidFill>
+        <a:latin typeface="+mn-lt"/>
+        <a:ea typeface="+mn-ea"/>
+        <a:cs typeface="+mn-cs"/>
+      </a:defRPr>
+    </a:lvl3pPr>
+    <a:lvl4pPr marL="955825" algn="l" defTabSz="637217" rtl="0" eaLnBrk="1" latinLnBrk="0" hangingPunct="1">
+      <a:defRPr sz="800" kern="1200">
+        <a:solidFill>
+          <a:schemeClr val="tx1"/>
+        </a:solidFill>
+        <a:latin typeface="+mn-lt"/>
+        <a:ea typeface="+mn-ea"/>
+        <a:cs typeface="+mn-cs"/>
+      </a:defRPr>
+    </a:lvl4pPr>
+    <a:lvl5pPr marL="1274433" algn="l" defTabSz="637217" rtl="0" eaLnBrk="1" latinLnBrk="0" hangingPunct="1">
+      <a:defRPr sz="800" kern="1200">
+        <a:solidFill>
+          <a:schemeClr val="tx1"/>
+        </a:solidFill>
+        <a:latin typeface="+mn-lt"/>
+        <a:ea typeface="+mn-ea"/>
+        <a:cs typeface="+mn-cs"/>
+      </a:defRPr>
+    </a:lvl5pPr>
+    <a:lvl6pPr marL="1593041" algn="l" defTabSz="637217" rtl="0" eaLnBrk="1" latinLnBrk="0" hangingPunct="1">
+      <a:defRPr sz="800" kern="1200">
+        <a:solidFill>
+          <a:schemeClr val="tx1"/>
+        </a:solidFill>
+        <a:latin typeface="+mn-lt"/>
+        <a:ea typeface="+mn-ea"/>
+        <a:cs typeface="+mn-cs"/>
+      </a:defRPr>
+    </a:lvl6pPr>
+    <a:lvl7pPr marL="1911650" algn="l" defTabSz="637217" rtl="0" eaLnBrk="1" latinLnBrk="0" hangingPunct="1">
+      <a:defRPr sz="800" kern="1200">
+        <a:solidFill>
+          <a:schemeClr val="tx1"/>
+        </a:solidFill>
+        <a:latin typeface="+mn-lt"/>
+        <a:ea typeface="+mn-ea"/>
+        <a:cs typeface="+mn-cs"/>
+      </a:defRPr>
+    </a:lvl7pPr>
+    <a:lvl8pPr marL="2230258" algn="l" defTabSz="637217" rtl="0" eaLnBrk="1" latinLnBrk="0" hangingPunct="1">
+      <a:defRPr sz="800" kern="1200">
+        <a:solidFill>
+          <a:schemeClr val="tx1"/>
+        </a:solidFill>
+        <a:latin typeface="+mn-lt"/>
+        <a:ea typeface="+mn-ea"/>
+        <a:cs typeface="+mn-cs"/>
+      </a:defRPr>
+    </a:lvl8pPr>
+    <a:lvl9pPr marL="2548866" algn="l" defTabSz="637217" rtl="0" eaLnBrk="1" latinLnBrk="0" hangingPunct="1">
+      <a:defRPr sz="800" kern="1200">
+        <a:solidFill>
+          <a:schemeClr val="tx1"/>
+        </a:solidFill>
+        <a:latin typeface="+mn-lt"/>
+        <a:ea typeface="+mn-ea"/>
+        <a:cs typeface="+mn-cs"/>
+      </a:defRPr>
+    </a:lvl9pPr>
+  </p:notesStyle>
+</p:notesMaster>
+</file>
+
+<file path=ppt/notesSlides/notesSlide1.xml><?xml version="1.0" encoding="utf-8"?>
+<p:notes xmlns:a="http://schemas.openxmlformats.org/drawingml/2006/main" xmlns:r="http://schemas.openxmlformats.org/officeDocument/2006/relationships" xmlns:p="http://schemas.openxmlformats.org/presentationml/2006/main">
+  <p:cSld>
+    <p:spTree>
+      <p:nvGrpSpPr>
+        <p:cNvPr id="1" name=""/>
+        <p:cNvGrpSpPr/>
+        <p:nvPr/>
+      </p:nvGrpSpPr>
+      <p:grpSpPr>
+        <a:xfrm>
+          <a:off x="0" y="0"/>
+          <a:ext cx="0" cy="0"/>
+          <a:chOff x="0" y="0"/>
+          <a:chExt cx="0" cy="0"/>
+        </a:xfrm>
+      </p:grpSpPr>
+      <p:sp>
+        <p:nvSpPr>
+          <p:cNvPr id="2" name="Slide Image Placeholder 1"/>
+          <p:cNvSpPr>
+            <a:spLocks noGrp="1" noRot="1" noChangeAspect="1"/>
+          </p:cNvSpPr>
+          <p:nvPr>
+            <p:ph type="sldImg"/>
+          </p:nvPr>
+        </p:nvSpPr>
+        <p:spPr/>
+      </p:sp>
+      <p:sp>
+        <p:nvSpPr>
+          <p:cNvPr id="3" name="Notes Placeholder 2"/>
+          <p:cNvSpPr>
+            <a:spLocks noGrp="1"/>
+          </p:cNvSpPr>
+          <p:nvPr>
+            <p:ph type="body" idx="1"/>
+          </p:nvPr>
+        </p:nvSpPr>
+        <p:spPr/>
+        <p:txBody>
+          <a:bodyPr>
+            <a:normAutofit/>
+          </a:bodyPr>
+          <a:lstStyle/>
+          <a:p>
+            <a:endParaRPr lang="en-US" dirty="0"/>
+          </a:p>
+        </p:txBody>
+      </p:sp>
+      <p:sp>
+        <p:nvSpPr>
+          <p:cNvPr id="4" name="Slide Number Placeholder 3"/>
+          <p:cNvSpPr>
+            <a:spLocks noGrp="1"/>
+          </p:cNvSpPr>
+          <p:nvPr>
+            <p:ph type="sldNum" sz="quarter" idx="10"/>
+          </p:nvPr>
+        </p:nvSpPr>
+        <p:spPr/>
+        <p:txBody>
+          <a:bodyPr/>
+          <a:lstStyle/>
+          <a:p>
+            <a:fld id="{93FF6805-0E3B-4C76-BA5B-189C2B5F17B9}" type="slidenum">
+              <a:rPr lang="en-US" smtClean="0"/>
+              <a:t>2</a:t>
+            </a:fld>
+            <a:endParaRPr lang="en-US"/>
+          </a:p>
+        </p:txBody>
+      </p:sp>
+    </p:spTree>
+  </p:cSld>
+  <p:clrMapOvr>
+    <a:masterClrMapping/>
+  </p:clrMapOvr>
+</p:notes>
 </file>
 
 <file path=ppt/slideLayouts/slideLayout1.xml><?xml version="1.0" encoding="utf-8"?>
@@ -3048,7 +3478,7 @@
       </p:grpSpPr>
       <p:pic>
         <p:nvPicPr>
-          <p:cNvPr id="1027" name="Picture 3" descr="C:\Users\USER\Desktop\credit_card_fraud\IMG-20221014-WA0003.jpg"/>
+          <p:cNvPr id="24" name="Picture 4" descr="C:\Users\USER\Desktop\bank.jpg"/>
           <p:cNvPicPr>
             <a:picLocks noChangeAspect="1" noChangeArrowheads="1"/>
           </p:cNvPicPr>
@@ -3063,8 +3493,8 @@
         </p:blipFill>
         <p:spPr bwMode="auto">
           <a:xfrm>
-            <a:off x="0" y="-15240"/>
-            <a:ext cx="7315200" cy="4145280"/>
+            <a:off x="0" y="0"/>
+            <a:ext cx="7315200" cy="4114799"/>
           </a:xfrm>
           <a:prstGeom prst="rect">
             <a:avLst/>
@@ -3072,11 +3502,76 @@
           <a:noFill/>
         </p:spPr>
       </p:pic>
+      <p:sp>
+        <p:nvSpPr>
+          <p:cNvPr id="25" name="TextBox 24"/>
+          <p:cNvSpPr txBox="1"/>
+          <p:nvPr/>
+        </p:nvSpPr>
+        <p:spPr>
+          <a:xfrm>
+            <a:off x="1295400" y="685800"/>
+            <a:ext cx="5334000" cy="707886"/>
+          </a:xfrm>
+          <a:prstGeom prst="rect">
+            <a:avLst/>
+          </a:prstGeom>
+          <a:noFill/>
+        </p:spPr>
+        <p:txBody>
+          <a:bodyPr wrap="square" rtlCol="0">
+            <a:spAutoFit/>
+          </a:bodyPr>
+          <a:lstStyle/>
+          <a:p>
+            <a:r>
+              <a:rPr lang="en-US" sz="4000" b="1" dirty="0" smtClean="0">
+                <a:solidFill>
+                  <a:schemeClr val="accent6">
+                    <a:lumMod val="75000"/>
+                  </a:schemeClr>
+                </a:solidFill>
+                <a:effectLst>
+                  <a:outerShdw blurRad="38100" dist="38100" dir="2700000" algn="tl">
+                    <a:srgbClr val="000000">
+                      <a:alpha val="43137"/>
+                    </a:srgbClr>
+                  </a:outerShdw>
+                </a:effectLst>
+                <a:latin typeface="Britannic Bold" pitchFamily="34" charset="0"/>
+              </a:rPr>
+              <a:t>Bank Fraud Detection</a:t>
+            </a:r>
+            <a:endParaRPr lang="en-US" sz="4000" b="1" dirty="0">
+              <a:solidFill>
+                <a:schemeClr val="accent6">
+                  <a:lumMod val="75000"/>
+                </a:schemeClr>
+              </a:solidFill>
+              <a:effectLst>
+                <a:outerShdw blurRad="38100" dist="38100" dir="2700000" algn="tl">
+                  <a:srgbClr val="000000">
+                    <a:alpha val="43137"/>
+                  </a:srgbClr>
+                </a:outerShdw>
+              </a:effectLst>
+              <a:latin typeface="Britannic Bold" pitchFamily="34" charset="0"/>
+            </a:endParaRPr>
+          </a:p>
+        </p:txBody>
+      </p:sp>
     </p:spTree>
   </p:cSld>
   <p:clrMapOvr>
     <a:masterClrMapping/>
   </p:clrMapOvr>
+  <p:timing>
+    <p:tnLst>
+      <p:par>
+        <p:cTn id="1" dur="indefinite" restart="never" nodeType="tmRoot"/>
+      </p:par>
+    </p:tnLst>
+  </p:timing>
 </p:sld>
 </file>
 
@@ -3123,6 +3618,32 @@
           <a:noFill/>
         </p:spPr>
       </p:pic>
+      <p:pic>
+        <p:nvPicPr>
+          <p:cNvPr id="3" name="Picture 3" descr="C:\Users\USER\Desktop\credit_card_fraud\images\Dectector.png"/>
+          <p:cNvPicPr>
+            <a:picLocks noChangeAspect="1" noChangeArrowheads="1"/>
+          </p:cNvPicPr>
+          <p:nvPr/>
+        </p:nvPicPr>
+        <p:blipFill>
+          <a:blip r:embed="rId3"/>
+          <a:srcRect/>
+          <a:stretch>
+            <a:fillRect/>
+          </a:stretch>
+        </p:blipFill>
+        <p:spPr bwMode="auto">
+          <a:xfrm>
+            <a:off x="3276600" y="762000"/>
+            <a:ext cx="2971800" cy="2971800"/>
+          </a:xfrm>
+          <a:prstGeom prst="rect">
+            <a:avLst/>
+          </a:prstGeom>
+          <a:noFill/>
+        </p:spPr>
+      </p:pic>
     </p:spTree>
   </p:cSld>
   <p:clrMapOvr>
@@ -3132,57 +3653,6 @@
 </file>
 
 <file path=ppt/slides/slide11.xml><?xml version="1.0" encoding="utf-8"?>
-<p:sld xmlns:a="http://schemas.openxmlformats.org/drawingml/2006/main" xmlns:r="http://schemas.openxmlformats.org/officeDocument/2006/relationships" xmlns:p="http://schemas.openxmlformats.org/presentationml/2006/main">
-  <p:cSld>
-    <p:spTree>
-      <p:nvGrpSpPr>
-        <p:cNvPr id="1" name=""/>
-        <p:cNvGrpSpPr/>
-        <p:nvPr/>
-      </p:nvGrpSpPr>
-      <p:grpSpPr>
-        <a:xfrm>
-          <a:off x="0" y="0"/>
-          <a:ext cx="0" cy="0"/>
-          <a:chOff x="0" y="0"/>
-          <a:chExt cx="0" cy="0"/>
-        </a:xfrm>
-      </p:grpSpPr>
-      <p:pic>
-        <p:nvPicPr>
-          <p:cNvPr id="9218" name="Picture 2" descr="C:\Users\USER\Desktop\credit_card_fraud\IMG-20221014-WA0006.jpg"/>
-          <p:cNvPicPr>
-            <a:picLocks noChangeAspect="1" noChangeArrowheads="1"/>
-          </p:cNvPicPr>
-          <p:nvPr/>
-        </p:nvPicPr>
-        <p:blipFill>
-          <a:blip r:embed="rId2"/>
-          <a:srcRect/>
-          <a:stretch>
-            <a:fillRect/>
-          </a:stretch>
-        </p:blipFill>
-        <p:spPr bwMode="auto">
-          <a:xfrm>
-            <a:off x="0" y="0"/>
-            <a:ext cx="7315200" cy="4145280"/>
-          </a:xfrm>
-          <a:prstGeom prst="rect">
-            <a:avLst/>
-          </a:prstGeom>
-          <a:noFill/>
-        </p:spPr>
-      </p:pic>
-    </p:spTree>
-  </p:cSld>
-  <p:clrMapOvr>
-    <a:masterClrMapping/>
-  </p:clrMapOvr>
-</p:sld>
-</file>
-
-<file path=ppt/slides/slide12.xml><?xml version="1.0" encoding="utf-8"?>
 <p:sld xmlns:a="http://schemas.openxmlformats.org/drawingml/2006/main" xmlns:r="http://schemas.openxmlformats.org/officeDocument/2006/relationships" xmlns:p="http://schemas.openxmlformats.org/presentationml/2006/main">
   <p:cSld>
     <p:spTree>
@@ -3216,7 +3686,7 @@
         </p:blipFill>
         <p:spPr bwMode="auto">
           <a:xfrm>
-            <a:off x="0" y="-15240"/>
+            <a:off x="0" y="0"/>
             <a:ext cx="7315200" cy="4145280"/>
           </a:xfrm>
           <a:prstGeom prst="rect">
@@ -3225,11 +3695,164 @@
           <a:noFill/>
         </p:spPr>
       </p:pic>
+      <p:sp>
+        <p:nvSpPr>
+          <p:cNvPr id="4" name="TextBox 3"/>
+          <p:cNvSpPr txBox="1"/>
+          <p:nvPr/>
+        </p:nvSpPr>
+        <p:spPr>
+          <a:xfrm>
+            <a:off x="2438400" y="1406604"/>
+            <a:ext cx="5029200" cy="1615827"/>
+          </a:xfrm>
+          <a:prstGeom prst="rect">
+            <a:avLst/>
+          </a:prstGeom>
+          <a:noFill/>
+        </p:spPr>
+        <p:txBody>
+          <a:bodyPr wrap="square" rtlCol="0">
+            <a:spAutoFit/>
+          </a:bodyPr>
+          <a:lstStyle/>
+          <a:p>
+            <a:r>
+              <a:rPr lang="en-US" sz="6600" dirty="0">
+                <a:solidFill>
+                  <a:schemeClr val="bg1"/>
+                </a:solidFill>
+                <a:effectLst>
+                  <a:outerShdw blurRad="38100" dist="38100" dir="2700000" algn="tl">
+                    <a:srgbClr val="000000">
+                      <a:alpha val="43137"/>
+                    </a:srgbClr>
+                  </a:outerShdw>
+                </a:effectLst>
+                <a:latin typeface="Cooper Black" pitchFamily="18" charset="0"/>
+              </a:rPr>
+              <a:t>t</a:t>
+            </a:r>
+            <a:r>
+              <a:rPr lang="en-US" sz="6600" dirty="0" smtClean="0">
+                <a:solidFill>
+                  <a:schemeClr val="bg1"/>
+                </a:solidFill>
+                <a:effectLst>
+                  <a:outerShdw blurRad="38100" dist="38100" dir="2700000" algn="tl">
+                    <a:srgbClr val="000000">
+                      <a:alpha val="43137"/>
+                    </a:srgbClr>
+                  </a:outerShdw>
+                </a:effectLst>
+                <a:latin typeface="Cooper Black" pitchFamily="18" charset="0"/>
+              </a:rPr>
+              <a:t>hank            </a:t>
+            </a:r>
+          </a:p>
+          <a:p>
+            <a:pPr>
+              <a:lnSpc>
+                <a:spcPct val="50000"/>
+              </a:lnSpc>
+            </a:pPr>
+            <a:r>
+              <a:rPr lang="en-US" sz="6600" dirty="0" smtClean="0">
+                <a:solidFill>
+                  <a:schemeClr val="bg1"/>
+                </a:solidFill>
+                <a:effectLst>
+                  <a:outerShdw blurRad="38100" dist="38100" dir="2700000" algn="tl">
+                    <a:srgbClr val="000000">
+                      <a:alpha val="43137"/>
+                    </a:srgbClr>
+                  </a:outerShdw>
+                </a:effectLst>
+                <a:latin typeface="Cooper Black" pitchFamily="18" charset="0"/>
+              </a:rPr>
+              <a:t>  you</a:t>
+            </a:r>
+            <a:endParaRPr lang="en-US" sz="6600" dirty="0">
+              <a:solidFill>
+                <a:schemeClr val="bg1"/>
+              </a:solidFill>
+              <a:effectLst>
+                <a:outerShdw blurRad="38100" dist="38100" dir="2700000" algn="tl">
+                  <a:srgbClr val="000000">
+                    <a:alpha val="43137"/>
+                  </a:srgbClr>
+                </a:outerShdw>
+              </a:effectLst>
+              <a:latin typeface="Cooper Black" pitchFamily="18" charset="0"/>
+            </a:endParaRPr>
+          </a:p>
+        </p:txBody>
+      </p:sp>
+      <p:sp>
+        <p:nvSpPr>
+          <p:cNvPr id="5" name="Rectangle 4"/>
+          <p:cNvSpPr/>
+          <p:nvPr/>
+        </p:nvSpPr>
+        <p:spPr>
+          <a:xfrm>
+            <a:off x="609600" y="1752600"/>
+            <a:ext cx="1828800" cy="609600"/>
+          </a:xfrm>
+          <a:prstGeom prst="rect">
+            <a:avLst/>
+          </a:prstGeom>
+          <a:effectLst>
+            <a:outerShdw blurRad="76200" dist="12700" dir="2700000" sy="-23000" kx="-800400" algn="bl" rotWithShape="0">
+              <a:prstClr val="black">
+                <a:alpha val="20000"/>
+              </a:prstClr>
+            </a:outerShdw>
+          </a:effectLst>
+        </p:spPr>
+        <p:style>
+          <a:lnRef idx="1">
+            <a:schemeClr val="accent1"/>
+          </a:lnRef>
+          <a:fillRef idx="3">
+            <a:schemeClr val="accent1"/>
+          </a:fillRef>
+          <a:effectRef idx="2">
+            <a:schemeClr val="accent1"/>
+          </a:effectRef>
+          <a:fontRef idx="minor">
+            <a:schemeClr val="lt1"/>
+          </a:fontRef>
+        </p:style>
+        <p:txBody>
+          <a:bodyPr rtlCol="0" anchor="ctr"/>
+          <a:lstStyle/>
+          <a:p>
+            <a:pPr algn="ctr"/>
+            <a:endParaRPr lang="en-US">
+              <a:effectLst>
+                <a:outerShdw blurRad="38100" dist="38100" dir="2700000" algn="tl">
+                  <a:srgbClr val="000000">
+                    <a:alpha val="43137"/>
+                  </a:srgbClr>
+                </a:outerShdw>
+              </a:effectLst>
+            </a:endParaRPr>
+          </a:p>
+        </p:txBody>
+      </p:sp>
     </p:spTree>
   </p:cSld>
   <p:clrMapOvr>
     <a:masterClrMapping/>
   </p:clrMapOvr>
+  <p:timing>
+    <p:tnLst>
+      <p:par>
+        <p:cTn id="1" dur="indefinite" restart="never" nodeType="tmRoot"/>
+      </p:par>
+    </p:tnLst>
+  </p:timing>
 </p:sld>
 </file>
 
@@ -3259,7 +3882,7 @@
           <p:nvPr/>
         </p:nvPicPr>
         <p:blipFill>
-          <a:blip r:embed="rId2"/>
+          <a:blip r:embed="rId3"/>
           <a:srcRect/>
           <a:stretch>
             <a:fillRect/>
@@ -3273,14 +3896,99 @@
           <a:prstGeom prst="rect">
             <a:avLst/>
           </a:prstGeom>
+        </p:spPr>
+        <p:style>
+          <a:lnRef idx="3">
+            <a:schemeClr val="lt1"/>
+          </a:lnRef>
+          <a:fillRef idx="1">
+            <a:schemeClr val="accent5"/>
+          </a:fillRef>
+          <a:effectRef idx="1">
+            <a:schemeClr val="accent5"/>
+          </a:effectRef>
+          <a:fontRef idx="minor">
+            <a:schemeClr val="lt1"/>
+          </a:fontRef>
+        </p:style>
+      </p:pic>
+      <p:pic>
+        <p:nvPicPr>
+          <p:cNvPr id="5" name="Picture 2" descr="C:\Users\USER\Desktop\R.png"/>
+          <p:cNvPicPr>
+            <a:picLocks noChangeAspect="1" noChangeArrowheads="1"/>
+          </p:cNvPicPr>
+          <p:nvPr/>
+        </p:nvPicPr>
+        <p:blipFill>
+          <a:blip r:embed="rId4" cstate="print"/>
+          <a:srcRect/>
+          <a:stretch>
+            <a:fillRect/>
+          </a:stretch>
+        </p:blipFill>
+        <p:spPr bwMode="auto">
+          <a:xfrm>
+            <a:off x="5350668" y="1066800"/>
+            <a:ext cx="1735931" cy="1905000"/>
+          </a:xfrm>
+          <a:prstGeom prst="rect">
+            <a:avLst/>
+          </a:prstGeom>
           <a:noFill/>
         </p:spPr>
       </p:pic>
+      <p:sp>
+        <p:nvSpPr>
+          <p:cNvPr id="7" name="Rectangle 6"/>
+          <p:cNvSpPr/>
+          <p:nvPr/>
+        </p:nvSpPr>
+        <p:spPr>
+          <a:xfrm>
+            <a:off x="0" y="3657600"/>
+            <a:ext cx="7315200" cy="533400"/>
+          </a:xfrm>
+          <a:prstGeom prst="rect">
+            <a:avLst/>
+          </a:prstGeom>
+          <a:ln/>
+        </p:spPr>
+        <p:style>
+          <a:lnRef idx="0">
+            <a:schemeClr val="accent1"/>
+          </a:lnRef>
+          <a:fillRef idx="3">
+            <a:schemeClr val="accent1"/>
+          </a:fillRef>
+          <a:effectRef idx="3">
+            <a:schemeClr val="accent1"/>
+          </a:effectRef>
+          <a:fontRef idx="minor">
+            <a:schemeClr val="lt1"/>
+          </a:fontRef>
+        </p:style>
+        <p:txBody>
+          <a:bodyPr rtlCol="0" anchor="ctr"/>
+          <a:lstStyle/>
+          <a:p>
+            <a:pPr algn="ctr"/>
+            <a:endParaRPr lang="en-US"/>
+          </a:p>
+        </p:txBody>
+      </p:sp>
     </p:spTree>
   </p:cSld>
   <p:clrMapOvr>
     <a:masterClrMapping/>
   </p:clrMapOvr>
+  <p:timing>
+    <p:tnLst>
+      <p:par>
+        <p:cTn id="1" dur="indefinite" restart="never" nodeType="tmRoot"/>
+      </p:par>
+    </p:tnLst>
+  </p:timing>
 </p:sld>
 </file>
 
@@ -3324,8 +4032,21 @@
           <a:prstGeom prst="rect">
             <a:avLst/>
           </a:prstGeom>
-          <a:noFill/>
-        </p:spPr>
+        </p:spPr>
+        <p:style>
+          <a:lnRef idx="3">
+            <a:schemeClr val="lt1"/>
+          </a:lnRef>
+          <a:fillRef idx="1">
+            <a:schemeClr val="accent5"/>
+          </a:fillRef>
+          <a:effectRef idx="1">
+            <a:schemeClr val="accent5"/>
+          </a:effectRef>
+          <a:fontRef idx="minor">
+            <a:schemeClr val="lt1"/>
+          </a:fontRef>
+        </p:style>
       </p:pic>
       <p:sp>
         <p:nvSpPr>
@@ -3387,13 +4108,22 @@
           <a:prstGeom prst="rect">
             <a:avLst/>
           </a:prstGeom>
-          <a:noFill/>
-          <a:ln>
-            <a:solidFill>
-              <a:schemeClr val="accent1"/>
-            </a:solidFill>
-          </a:ln>
-        </p:spPr>
+          <a:ln/>
+        </p:spPr>
+        <p:style>
+          <a:lnRef idx="1">
+            <a:schemeClr val="accent5"/>
+          </a:lnRef>
+          <a:fillRef idx="3">
+            <a:schemeClr val="accent5"/>
+          </a:fillRef>
+          <a:effectRef idx="2">
+            <a:schemeClr val="accent5"/>
+          </a:effectRef>
+          <a:fontRef idx="minor">
+            <a:schemeClr val="lt1"/>
+          </a:fontRef>
+        </p:style>
         <p:txBody>
           <a:bodyPr wrap="square" rtlCol="0">
             <a:spAutoFit/>
@@ -3409,62 +4139,126 @@
           </a:p>
         </p:txBody>
       </p:sp>
-      <p:cxnSp>
-        <p:nvCxnSpPr>
-          <p:cNvPr id="8" name="Straight Arrow Connector 7"/>
-          <p:cNvCxnSpPr>
-            <a:endCxn id="9" idx="0"/>
-          </p:cNvCxnSpPr>
+      <p:sp>
+        <p:nvSpPr>
+          <p:cNvPr id="9" name="TextBox 8"/>
+          <p:cNvSpPr txBox="1"/>
           <p:nvPr/>
-        </p:nvCxnSpPr>
+        </p:nvSpPr>
         <p:spPr>
-          <a:xfrm rot="10800000" flipV="1">
-            <a:off x="2057400" y="1676399"/>
-            <a:ext cx="990600" cy="658425"/>
-          </a:xfrm>
-          <a:prstGeom prst="straightConnector1">
+          <a:xfrm>
+            <a:off x="1981200" y="1981200"/>
+            <a:ext cx="3352800" cy="584775"/>
+          </a:xfrm>
+          <a:prstGeom prst="rect">
             <a:avLst/>
           </a:prstGeom>
-          <a:ln>
-            <a:tailEnd type="arrow"/>
-          </a:ln>
+          <a:ln/>
         </p:spPr>
         <p:style>
-          <a:lnRef idx="1">
+          <a:lnRef idx="0">
+            <a:schemeClr val="accent2"/>
+          </a:lnRef>
+          <a:fillRef idx="3">
+            <a:schemeClr val="accent2"/>
+          </a:fillRef>
+          <a:effectRef idx="3">
+            <a:schemeClr val="accent2"/>
+          </a:effectRef>
+          <a:fontRef idx="minor">
+            <a:schemeClr val="lt1"/>
+          </a:fontRef>
+        </p:style>
+        <p:txBody>
+          <a:bodyPr wrap="square" rtlCol="0">
+            <a:spAutoFit/>
+          </a:bodyPr>
+          <a:lstStyle/>
+          <a:p>
+            <a:pPr algn="ctr"/>
+            <a:r>
+              <a:rPr lang="en-US" sz="1600" b="1" dirty="0" smtClean="0"/>
+              <a:t>Data processing and feature engineering</a:t>
+            </a:r>
+            <a:endParaRPr lang="en-US" sz="1600" b="1" dirty="0"/>
+          </a:p>
+        </p:txBody>
+      </p:sp>
+      <p:sp>
+        <p:nvSpPr>
+          <p:cNvPr id="11" name="TextBox 10"/>
+          <p:cNvSpPr txBox="1"/>
+          <p:nvPr/>
+        </p:nvSpPr>
+        <p:spPr>
+          <a:xfrm>
+            <a:off x="2286000" y="2895600"/>
+            <a:ext cx="2590800" cy="338554"/>
+          </a:xfrm>
+          <a:prstGeom prst="rect">
+            <a:avLst/>
+          </a:prstGeom>
+          <a:ln/>
+        </p:spPr>
+        <p:style>
+          <a:lnRef idx="0">
             <a:schemeClr val="accent1"/>
           </a:lnRef>
-          <a:fillRef idx="0">
+          <a:fillRef idx="3">
             <a:schemeClr val="accent1"/>
           </a:fillRef>
-          <a:effectRef idx="0">
+          <a:effectRef idx="3">
             <a:schemeClr val="accent1"/>
           </a:effectRef>
           <a:fontRef idx="minor">
-            <a:schemeClr val="tx1"/>
+            <a:schemeClr val="lt1"/>
           </a:fontRef>
         </p:style>
-      </p:cxnSp>
-      <p:sp>
-        <p:nvSpPr>
-          <p:cNvPr id="9" name="TextBox 8"/>
+        <p:txBody>
+          <a:bodyPr wrap="square" rtlCol="0">
+            <a:spAutoFit/>
+          </a:bodyPr>
+          <a:lstStyle/>
+          <a:p>
+            <a:pPr algn="ctr"/>
+            <a:r>
+              <a:rPr lang="en-US" sz="1600" b="1" dirty="0" smtClean="0"/>
+              <a:t>Modeling and Evaluation</a:t>
+            </a:r>
+            <a:endParaRPr lang="en-US" sz="1600" b="1" dirty="0"/>
+          </a:p>
+        </p:txBody>
+      </p:sp>
+      <p:sp>
+        <p:nvSpPr>
+          <p:cNvPr id="17" name="TextBox 16"/>
           <p:cNvSpPr txBox="1"/>
           <p:nvPr/>
         </p:nvSpPr>
         <p:spPr>
           <a:xfrm>
-            <a:off x="685800" y="2334825"/>
-            <a:ext cx="2743200" cy="584775"/>
+            <a:off x="1981200" y="3581400"/>
+            <a:ext cx="3276600" cy="338554"/>
           </a:xfrm>
           <a:prstGeom prst="rect">
             <a:avLst/>
           </a:prstGeom>
-          <a:noFill/>
-          <a:ln>
-            <a:solidFill>
-              <a:schemeClr val="accent1"/>
-            </a:solidFill>
-          </a:ln>
-        </p:spPr>
+          <a:ln/>
+        </p:spPr>
+        <p:style>
+          <a:lnRef idx="0">
+            <a:schemeClr val="accent6"/>
+          </a:lnRef>
+          <a:fillRef idx="3">
+            <a:schemeClr val="accent6"/>
+          </a:fillRef>
+          <a:effectRef idx="3">
+            <a:schemeClr val="accent6"/>
+          </a:effectRef>
+          <a:fontRef idx="minor">
+            <a:schemeClr val="lt1"/>
+          </a:fontRef>
+        </p:style>
         <p:txBody>
           <a:bodyPr wrap="square" rtlCol="0">
             <a:spAutoFit/>
@@ -3474,147 +4268,123 @@
             <a:pPr algn="ctr"/>
             <a:r>
               <a:rPr lang="en-US" sz="1600" b="1" dirty="0" smtClean="0"/>
-              <a:t>Data processing and feature engineering</a:t>
+              <a:t>Selection of Model</a:t>
             </a:r>
             <a:endParaRPr lang="en-US" sz="1600" b="1" dirty="0"/>
           </a:p>
         </p:txBody>
       </p:sp>
-      <p:cxnSp>
-        <p:nvCxnSpPr>
-          <p:cNvPr id="10" name="Straight Arrow Connector 9"/>
-          <p:cNvCxnSpPr/>
+      <p:sp>
+        <p:nvSpPr>
+          <p:cNvPr id="20" name="Down Arrow 19"/>
+          <p:cNvSpPr/>
           <p:nvPr/>
-        </p:nvCxnSpPr>
+        </p:nvSpPr>
         <p:spPr>
           <a:xfrm>
-            <a:off x="2209800" y="2895600"/>
-            <a:ext cx="762000" cy="609600"/>
-          </a:xfrm>
-          <a:prstGeom prst="straightConnector1">
+            <a:off x="3581400" y="1600200"/>
+            <a:ext cx="76200" cy="381000"/>
+          </a:xfrm>
+          <a:prstGeom prst="downArrow">
             <a:avLst/>
           </a:prstGeom>
-          <a:ln>
-            <a:tailEnd type="arrow"/>
-          </a:ln>
         </p:spPr>
         <p:style>
-          <a:lnRef idx="1">
+          <a:lnRef idx="0">
             <a:schemeClr val="accent1"/>
           </a:lnRef>
-          <a:fillRef idx="0">
+          <a:fillRef idx="3">
             <a:schemeClr val="accent1"/>
           </a:fillRef>
-          <a:effectRef idx="0">
+          <a:effectRef idx="3">
             <a:schemeClr val="accent1"/>
           </a:effectRef>
           <a:fontRef idx="minor">
-            <a:schemeClr val="tx1"/>
+            <a:schemeClr val="lt1"/>
           </a:fontRef>
         </p:style>
-      </p:cxnSp>
-      <p:sp>
-        <p:nvSpPr>
-          <p:cNvPr id="11" name="TextBox 10"/>
-          <p:cNvSpPr txBox="1"/>
+        <p:txBody>
+          <a:bodyPr rtlCol="0" anchor="ctr"/>
+          <a:lstStyle/>
+          <a:p>
+            <a:pPr algn="ctr"/>
+            <a:endParaRPr lang="en-US"/>
+          </a:p>
+        </p:txBody>
+      </p:sp>
+      <p:sp>
+        <p:nvSpPr>
+          <p:cNvPr id="21" name="Down Arrow 20"/>
+          <p:cNvSpPr/>
           <p:nvPr/>
         </p:nvSpPr>
         <p:spPr>
           <a:xfrm>
-            <a:off x="2209800" y="3533001"/>
-            <a:ext cx="2590800" cy="338554"/>
-          </a:xfrm>
-          <a:prstGeom prst="rect">
+            <a:off x="3581400" y="2514600"/>
+            <a:ext cx="76200" cy="381000"/>
+          </a:xfrm>
+          <a:prstGeom prst="downArrow">
             <a:avLst/>
           </a:prstGeom>
-          <a:noFill/>
-          <a:ln>
-            <a:solidFill>
-              <a:schemeClr val="accent1"/>
-            </a:solidFill>
-          </a:ln>
-        </p:spPr>
-        <p:txBody>
-          <a:bodyPr wrap="square" rtlCol="0">
-            <a:spAutoFit/>
-          </a:bodyPr>
-          <a:lstStyle/>
-          <a:p>
-            <a:pPr algn="ctr"/>
-            <a:r>
-              <a:rPr lang="en-US" sz="1600" b="1" dirty="0" smtClean="0"/>
-              <a:t>Modeling and Evaluation</a:t>
-            </a:r>
-            <a:endParaRPr lang="en-US" sz="1600" b="1" dirty="0"/>
-          </a:p>
-        </p:txBody>
-      </p:sp>
-      <p:cxnSp>
-        <p:nvCxnSpPr>
-          <p:cNvPr id="13" name="Straight Arrow Connector 12"/>
-          <p:cNvCxnSpPr/>
-          <p:nvPr/>
-        </p:nvCxnSpPr>
-        <p:spPr>
-          <a:xfrm rot="5400000" flipH="1" flipV="1">
-            <a:off x="4038600" y="2895600"/>
-            <a:ext cx="762000" cy="457200"/>
-          </a:xfrm>
-          <a:prstGeom prst="straightConnector1">
-            <a:avLst/>
-          </a:prstGeom>
-          <a:ln>
-            <a:tailEnd type="arrow"/>
-          </a:ln>
         </p:spPr>
         <p:style>
-          <a:lnRef idx="1">
+          <a:lnRef idx="0">
             <a:schemeClr val="accent1"/>
           </a:lnRef>
-          <a:fillRef idx="0">
+          <a:fillRef idx="3">
             <a:schemeClr val="accent1"/>
           </a:fillRef>
-          <a:effectRef idx="0">
+          <a:effectRef idx="3">
             <a:schemeClr val="accent1"/>
           </a:effectRef>
           <a:fontRef idx="minor">
-            <a:schemeClr val="tx1"/>
+            <a:schemeClr val="lt1"/>
           </a:fontRef>
         </p:style>
-      </p:cxnSp>
-      <p:sp>
-        <p:nvSpPr>
-          <p:cNvPr id="17" name="TextBox 16"/>
-          <p:cNvSpPr txBox="1"/>
+        <p:txBody>
+          <a:bodyPr rtlCol="0" anchor="ctr"/>
+          <a:lstStyle/>
+          <a:p>
+            <a:pPr algn="ctr"/>
+            <a:endParaRPr lang="en-US"/>
+          </a:p>
+        </p:txBody>
+      </p:sp>
+      <p:sp>
+        <p:nvSpPr>
+          <p:cNvPr id="22" name="Down Arrow 21"/>
+          <p:cNvSpPr/>
           <p:nvPr/>
         </p:nvSpPr>
         <p:spPr>
           <a:xfrm>
-            <a:off x="3886200" y="2438400"/>
-            <a:ext cx="2133600" cy="338554"/>
-          </a:xfrm>
-          <a:prstGeom prst="rect">
+            <a:off x="3581400" y="3200400"/>
+            <a:ext cx="76200" cy="381000"/>
+          </a:xfrm>
+          <a:prstGeom prst="downArrow">
             <a:avLst/>
           </a:prstGeom>
-          <a:noFill/>
-          <a:ln>
-            <a:solidFill>
-              <a:schemeClr val="accent1"/>
-            </a:solidFill>
-          </a:ln>
-        </p:spPr>
-        <p:txBody>
-          <a:bodyPr wrap="square" rtlCol="0">
-            <a:spAutoFit/>
-          </a:bodyPr>
+        </p:spPr>
+        <p:style>
+          <a:lnRef idx="0">
+            <a:schemeClr val="accent1"/>
+          </a:lnRef>
+          <a:fillRef idx="3">
+            <a:schemeClr val="accent1"/>
+          </a:fillRef>
+          <a:effectRef idx="3">
+            <a:schemeClr val="accent1"/>
+          </a:effectRef>
+          <a:fontRef idx="minor">
+            <a:schemeClr val="lt1"/>
+          </a:fontRef>
+        </p:style>
+        <p:txBody>
+          <a:bodyPr rtlCol="0" anchor="ctr"/>
           <a:lstStyle/>
           <a:p>
             <a:pPr algn="ctr"/>
-            <a:r>
-              <a:rPr lang="en-US" sz="1600" b="1" dirty="0" smtClean="0"/>
-              <a:t>Selection of Model</a:t>
-            </a:r>
-            <a:endParaRPr lang="en-US" sz="1600" b="1" dirty="0"/>
+            <a:endParaRPr lang="en-US"/>
           </a:p>
         </p:txBody>
       </p:sp>
@@ -3623,6 +4393,13 @@
   <p:clrMapOvr>
     <a:masterClrMapping/>
   </p:clrMapOvr>
+  <p:timing>
+    <p:tnLst>
+      <p:par>
+        <p:cTn id="1" dur="indefinite" restart="never" nodeType="tmRoot"/>
+      </p:par>
+    </p:tnLst>
+  </p:timing>
 </p:sld>
 </file>
 
@@ -3666,12 +4443,25 @@
           <a:prstGeom prst="rect">
             <a:avLst/>
           </a:prstGeom>
-          <a:noFill/>
-        </p:spPr>
+        </p:spPr>
+        <p:style>
+          <a:lnRef idx="0">
+            <a:schemeClr val="accent5"/>
+          </a:lnRef>
+          <a:fillRef idx="3">
+            <a:schemeClr val="accent5"/>
+          </a:fillRef>
+          <a:effectRef idx="3">
+            <a:schemeClr val="accent5"/>
+          </a:effectRef>
+          <a:fontRef idx="minor">
+            <a:schemeClr val="lt1"/>
+          </a:fontRef>
+        </p:style>
       </p:pic>
       <p:pic>
         <p:nvPicPr>
-          <p:cNvPr id="2051" name="Picture 3" descr="C:\Users\USER\Desktop\credit_card_fraud\images\page 4.PNG"/>
+          <p:cNvPr id="2054" name="Picture 6" descr="C:\Users\USER\Desktop\OIP (3).jfif"/>
           <p:cNvPicPr>
             <a:picLocks noChangeAspect="1" noChangeArrowheads="1"/>
           </p:cNvPicPr>
@@ -3686,8 +4476,8 @@
         </p:blipFill>
         <p:spPr bwMode="auto">
           <a:xfrm>
-            <a:off x="3505200" y="381000"/>
-            <a:ext cx="3634053" cy="2416175"/>
+            <a:off x="4087893" y="1002596"/>
+            <a:ext cx="1990228" cy="1613282"/>
           </a:xfrm>
           <a:prstGeom prst="rect">
             <a:avLst/>
@@ -3695,17 +4485,259 @@
           <a:noFill/>
         </p:spPr>
       </p:pic>
+      <p:cxnSp>
+        <p:nvCxnSpPr>
+          <p:cNvPr id="20" name="Straight Connector 19"/>
+          <p:cNvCxnSpPr/>
+          <p:nvPr/>
+        </p:nvCxnSpPr>
+        <p:spPr>
+          <a:xfrm rot="5400000" flipH="1" flipV="1">
+            <a:off x="4496446" y="1134649"/>
+            <a:ext cx="529488" cy="638"/>
+          </a:xfrm>
+          <a:prstGeom prst="line">
+            <a:avLst/>
+          </a:prstGeom>
+          <a:ln>
+            <a:solidFill>
+              <a:srgbClr val="FF0000"/>
+            </a:solidFill>
+          </a:ln>
+        </p:spPr>
+        <p:style>
+          <a:lnRef idx="1">
+            <a:schemeClr val="accent1"/>
+          </a:lnRef>
+          <a:fillRef idx="0">
+            <a:schemeClr val="accent1"/>
+          </a:fillRef>
+          <a:effectRef idx="0">
+            <a:schemeClr val="accent1"/>
+          </a:effectRef>
+          <a:fontRef idx="minor">
+            <a:schemeClr val="tx1"/>
+          </a:fontRef>
+        </p:style>
+      </p:cxnSp>
+      <p:cxnSp>
+        <p:nvCxnSpPr>
+          <p:cNvPr id="22" name="Straight Connector 21"/>
+          <p:cNvCxnSpPr/>
+          <p:nvPr/>
+        </p:nvCxnSpPr>
+        <p:spPr>
+          <a:xfrm>
+            <a:off x="4761509" y="870224"/>
+            <a:ext cx="666619" cy="2438"/>
+          </a:xfrm>
+          <a:prstGeom prst="line">
+            <a:avLst/>
+          </a:prstGeom>
+          <a:ln>
+            <a:solidFill>
+              <a:srgbClr val="FF0000"/>
+            </a:solidFill>
+          </a:ln>
+        </p:spPr>
+        <p:style>
+          <a:lnRef idx="1">
+            <a:schemeClr val="accent1"/>
+          </a:lnRef>
+          <a:fillRef idx="0">
+            <a:schemeClr val="accent1"/>
+          </a:fillRef>
+          <a:effectRef idx="0">
+            <a:schemeClr val="accent1"/>
+          </a:effectRef>
+          <a:fontRef idx="minor">
+            <a:schemeClr val="tx1"/>
+          </a:fontRef>
+        </p:style>
+      </p:cxnSp>
+      <p:cxnSp>
+        <p:nvCxnSpPr>
+          <p:cNvPr id="24" name="Straight Connector 23"/>
+          <p:cNvCxnSpPr/>
+          <p:nvPr/>
+        </p:nvCxnSpPr>
+        <p:spPr>
+          <a:xfrm rot="5400000">
+            <a:off x="4939394" y="2491806"/>
+            <a:ext cx="992099" cy="638"/>
+          </a:xfrm>
+          <a:prstGeom prst="line">
+            <a:avLst/>
+          </a:prstGeom>
+          <a:ln>
+            <a:solidFill>
+              <a:srgbClr val="FF0000"/>
+            </a:solidFill>
+          </a:ln>
+        </p:spPr>
+        <p:style>
+          <a:lnRef idx="1">
+            <a:schemeClr val="accent1"/>
+          </a:lnRef>
+          <a:fillRef idx="0">
+            <a:schemeClr val="accent1"/>
+          </a:fillRef>
+          <a:effectRef idx="0">
+            <a:schemeClr val="accent1"/>
+          </a:effectRef>
+          <a:fontRef idx="minor">
+            <a:schemeClr val="tx1"/>
+          </a:fontRef>
+        </p:style>
+      </p:cxnSp>
+      <p:cxnSp>
+        <p:nvCxnSpPr>
+          <p:cNvPr id="26" name="Straight Connector 25"/>
+          <p:cNvCxnSpPr/>
+          <p:nvPr/>
+        </p:nvCxnSpPr>
+        <p:spPr>
+          <a:xfrm rot="10800000">
+            <a:off x="4822747" y="2986794"/>
+            <a:ext cx="612378" cy="1379"/>
+          </a:xfrm>
+          <a:prstGeom prst="line">
+            <a:avLst/>
+          </a:prstGeom>
+          <a:ln>
+            <a:solidFill>
+              <a:srgbClr val="FF0000"/>
+            </a:solidFill>
+          </a:ln>
+        </p:spPr>
+        <p:style>
+          <a:lnRef idx="1">
+            <a:schemeClr val="accent1"/>
+          </a:lnRef>
+          <a:fillRef idx="0">
+            <a:schemeClr val="accent1"/>
+          </a:fillRef>
+          <a:effectRef idx="0">
+            <a:schemeClr val="accent1"/>
+          </a:effectRef>
+          <a:fontRef idx="minor">
+            <a:schemeClr val="tx1"/>
+          </a:fontRef>
+        </p:style>
+      </p:cxnSp>
+      <p:sp>
+        <p:nvSpPr>
+          <p:cNvPr id="27" name="TextBox 26"/>
+          <p:cNvSpPr txBox="1"/>
+          <p:nvPr/>
+        </p:nvSpPr>
+        <p:spPr>
+          <a:xfrm>
+            <a:off x="5257800" y="762000"/>
+            <a:ext cx="1752600" cy="276999"/>
+          </a:xfrm>
+          <a:prstGeom prst="rect">
+            <a:avLst/>
+          </a:prstGeom>
+        </p:spPr>
+        <p:style>
+          <a:lnRef idx="1">
+            <a:schemeClr val="accent5"/>
+          </a:lnRef>
+          <a:fillRef idx="3">
+            <a:schemeClr val="accent5"/>
+          </a:fillRef>
+          <a:effectRef idx="2">
+            <a:schemeClr val="accent5"/>
+          </a:effectRef>
+          <a:fontRef idx="minor">
+            <a:schemeClr val="lt1"/>
+          </a:fontRef>
+        </p:style>
+        <p:txBody>
+          <a:bodyPr wrap="square" rtlCol="0">
+            <a:spAutoFit/>
+          </a:bodyPr>
+          <a:lstStyle/>
+          <a:p>
+            <a:r>
+              <a:rPr lang="en-US" b="1" dirty="0" smtClean="0"/>
+              <a:t>83% NON-FRAUDULENT</a:t>
+            </a:r>
+            <a:endParaRPr lang="en-US" b="1" dirty="0"/>
+          </a:p>
+        </p:txBody>
+      </p:sp>
+      <p:sp>
+        <p:nvSpPr>
+          <p:cNvPr id="28" name="TextBox 27"/>
+          <p:cNvSpPr txBox="1"/>
+          <p:nvPr/>
+        </p:nvSpPr>
+        <p:spPr>
+          <a:xfrm>
+            <a:off x="3505200" y="2855803"/>
+            <a:ext cx="1394090" cy="276999"/>
+          </a:xfrm>
+          <a:prstGeom prst="rect">
+            <a:avLst/>
+          </a:prstGeom>
+        </p:spPr>
+        <p:style>
+          <a:lnRef idx="1">
+            <a:schemeClr val="accent2"/>
+          </a:lnRef>
+          <a:fillRef idx="3">
+            <a:schemeClr val="accent2"/>
+          </a:fillRef>
+          <a:effectRef idx="2">
+            <a:schemeClr val="accent2"/>
+          </a:effectRef>
+          <a:fontRef idx="minor">
+            <a:schemeClr val="lt1"/>
+          </a:fontRef>
+        </p:style>
+        <p:txBody>
+          <a:bodyPr wrap="square" rtlCol="0">
+            <a:spAutoFit/>
+          </a:bodyPr>
+          <a:lstStyle/>
+          <a:p>
+            <a:r>
+              <a:rPr lang="en-US" b="1" dirty="0" smtClean="0"/>
+              <a:t>17% FRAUDULENT</a:t>
+            </a:r>
+            <a:endParaRPr lang="en-US" b="1" dirty="0"/>
+          </a:p>
+        </p:txBody>
+      </p:sp>
     </p:spTree>
   </p:cSld>
   <p:clrMapOvr>
     <a:masterClrMapping/>
   </p:clrMapOvr>
+  <p:timing>
+    <p:tnLst>
+      <p:par>
+        <p:cTn id="1" dur="indefinite" restart="never" nodeType="tmRoot"/>
+      </p:par>
+    </p:tnLst>
+  </p:timing>
 </p:sld>
 </file>
 
 <file path=ppt/slides/slide5.xml><?xml version="1.0" encoding="utf-8"?>
 <p:sld xmlns:a="http://schemas.openxmlformats.org/drawingml/2006/main" xmlns:r="http://schemas.openxmlformats.org/officeDocument/2006/relationships" xmlns:p="http://schemas.openxmlformats.org/presentationml/2006/main">
   <p:cSld>
+    <p:bg>
+      <p:bgPr>
+        <a:blipFill>
+          <a:blip r:embed="rId2"/>
+          <a:tile tx="0" ty="0" sx="100000" sy="100000" flip="none" algn="tl"/>
+        </a:blipFill>
+        <a:effectLst/>
+      </p:bgPr>
+    </p:bg>
     <p:spTree>
       <p:nvGrpSpPr>
         <p:cNvPr id="1" name=""/>
@@ -3729,7 +4761,7 @@
           <p:nvPr/>
         </p:nvPicPr>
         <p:blipFill>
-          <a:blip r:embed="rId2"/>
+          <a:blip r:embed="rId3"/>
           <a:srcRect/>
           <a:stretch>
             <a:fillRect/>
@@ -3737,25 +4769,38 @@
         </p:blipFill>
         <p:spPr bwMode="auto">
           <a:xfrm>
-            <a:off x="0" y="-15240"/>
+            <a:off x="0" y="0"/>
             <a:ext cx="7315200" cy="4145280"/>
           </a:xfrm>
           <a:prstGeom prst="rect">
             <a:avLst/>
           </a:prstGeom>
-          <a:noFill/>
-        </p:spPr>
+        </p:spPr>
+        <p:style>
+          <a:lnRef idx="0">
+            <a:schemeClr val="accent5"/>
+          </a:lnRef>
+          <a:fillRef idx="3">
+            <a:schemeClr val="accent5"/>
+          </a:fillRef>
+          <a:effectRef idx="3">
+            <a:schemeClr val="accent5"/>
+          </a:effectRef>
+          <a:fontRef idx="minor">
+            <a:schemeClr val="lt1"/>
+          </a:fontRef>
+        </p:style>
       </p:pic>
       <p:pic>
         <p:nvPicPr>
-          <p:cNvPr id="3076" name="Picture 4" descr="C:\Users\USER\Desktop\credit_card_fraud\images\page 5.PNG"/>
+          <p:cNvPr id="3078" name="Picture 6" descr="C:\Users\USER\Desktop\Capture.PNG"/>
           <p:cNvPicPr>
             <a:picLocks noChangeAspect="1" noChangeArrowheads="1"/>
           </p:cNvPicPr>
           <p:nvPr/>
         </p:nvPicPr>
         <p:blipFill>
-          <a:blip r:embed="rId3" cstate="print"/>
+          <a:blip r:embed="rId4"/>
           <a:srcRect/>
           <a:stretch>
             <a:fillRect/>
@@ -3763,8 +4808,8 @@
         </p:blipFill>
         <p:spPr bwMode="auto">
           <a:xfrm>
-            <a:off x="3317422" y="990600"/>
-            <a:ext cx="3997778" cy="2286000"/>
+            <a:off x="609600" y="881742"/>
+            <a:ext cx="6477000" cy="2318658"/>
           </a:xfrm>
           <a:prstGeom prst="rect">
             <a:avLst/>
@@ -3772,11 +4817,48 @@
           <a:noFill/>
         </p:spPr>
       </p:pic>
+      <p:sp>
+        <p:nvSpPr>
+          <p:cNvPr id="10" name="TextBox 9"/>
+          <p:cNvSpPr txBox="1"/>
+          <p:nvPr/>
+        </p:nvSpPr>
+        <p:spPr>
+          <a:xfrm>
+            <a:off x="1828800" y="3124200"/>
+            <a:ext cx="5181600" cy="307777"/>
+          </a:xfrm>
+          <a:prstGeom prst="rect">
+            <a:avLst/>
+          </a:prstGeom>
+          <a:noFill/>
+        </p:spPr>
+        <p:txBody>
+          <a:bodyPr wrap="square" rtlCol="0">
+            <a:spAutoFit/>
+          </a:bodyPr>
+          <a:lstStyle/>
+          <a:p>
+            <a:r>
+              <a:rPr lang="en-US" sz="1400" dirty="0" smtClean="0"/>
+              <a:t>All  transaction above 600 dollars are certainly fraudulent</a:t>
+            </a:r>
+            <a:endParaRPr lang="en-US" sz="1400" dirty="0"/>
+          </a:p>
+        </p:txBody>
+      </p:sp>
     </p:spTree>
   </p:cSld>
   <p:clrMapOvr>
     <a:masterClrMapping/>
   </p:clrMapOvr>
+  <p:timing>
+    <p:tnLst>
+      <p:par>
+        <p:cTn id="1" dur="indefinite" restart="never" nodeType="tmRoot"/>
+      </p:par>
+    </p:tnLst>
+  </p:timing>
 </p:sld>
 </file>
 
@@ -3820,8 +4902,21 @@
           <a:prstGeom prst="rect">
             <a:avLst/>
           </a:prstGeom>
-          <a:noFill/>
-        </p:spPr>
+        </p:spPr>
+        <p:style>
+          <a:lnRef idx="3">
+            <a:schemeClr val="lt1"/>
+          </a:lnRef>
+          <a:fillRef idx="1">
+            <a:schemeClr val="accent5"/>
+          </a:fillRef>
+          <a:effectRef idx="1">
+            <a:schemeClr val="accent5"/>
+          </a:effectRef>
+          <a:fontRef idx="minor">
+            <a:schemeClr val="lt1"/>
+          </a:fontRef>
+        </p:style>
       </p:pic>
       <p:pic>
         <p:nvPicPr>
@@ -3840,8 +4935,8 @@
         </p:blipFill>
         <p:spPr bwMode="auto">
           <a:xfrm>
-            <a:off x="3657600" y="1828800"/>
-            <a:ext cx="3484777" cy="2079625"/>
+            <a:off x="685800" y="838200"/>
+            <a:ext cx="6205123" cy="2819400"/>
           </a:xfrm>
           <a:prstGeom prst="rect">
             <a:avLst/>
@@ -3849,11 +4944,87 @@
           <a:noFill/>
         </p:spPr>
       </p:pic>
+      <p:sp>
+        <p:nvSpPr>
+          <p:cNvPr id="6" name="TextBox 5"/>
+          <p:cNvSpPr txBox="1"/>
+          <p:nvPr/>
+        </p:nvSpPr>
+        <p:spPr>
+          <a:xfrm>
+            <a:off x="1066800" y="3581400"/>
+            <a:ext cx="5638800" cy="276999"/>
+          </a:xfrm>
+          <a:prstGeom prst="rect">
+            <a:avLst/>
+          </a:prstGeom>
+          <a:noFill/>
+        </p:spPr>
+        <p:txBody>
+          <a:bodyPr wrap="square" rtlCol="0">
+            <a:spAutoFit/>
+          </a:bodyPr>
+          <a:lstStyle/>
+          <a:p>
+            <a:r>
+              <a:rPr lang="en-US" dirty="0" smtClean="0"/>
+              <a:t>About 94 out of every 100 transaction categorized as leisure is fraudulent</a:t>
+            </a:r>
+            <a:endParaRPr lang="en-US" dirty="0"/>
+          </a:p>
+        </p:txBody>
+      </p:sp>
+      <p:sp>
+        <p:nvSpPr>
+          <p:cNvPr id="7" name="Rectangle 6"/>
+          <p:cNvSpPr/>
+          <p:nvPr/>
+        </p:nvSpPr>
+        <p:spPr>
+          <a:xfrm>
+            <a:off x="0" y="3886200"/>
+            <a:ext cx="7315200" cy="304800"/>
+          </a:xfrm>
+          <a:prstGeom prst="rect">
+            <a:avLst/>
+          </a:prstGeom>
+          <a:ln/>
+        </p:spPr>
+        <p:style>
+          <a:lnRef idx="0">
+            <a:schemeClr val="accent1"/>
+          </a:lnRef>
+          <a:fillRef idx="3">
+            <a:schemeClr val="accent1"/>
+          </a:fillRef>
+          <a:effectRef idx="3">
+            <a:schemeClr val="accent1"/>
+          </a:effectRef>
+          <a:fontRef idx="minor">
+            <a:schemeClr val="lt1"/>
+          </a:fontRef>
+        </p:style>
+        <p:txBody>
+          <a:bodyPr rtlCol="0" anchor="ctr"/>
+          <a:lstStyle/>
+          <a:p>
+            <a:pPr algn="ctr"/>
+            <a:endParaRPr lang="en-US"/>
+          </a:p>
+        </p:txBody>
+      </p:sp>
     </p:spTree>
   </p:cSld>
   <p:clrMapOvr>
     <a:masterClrMapping/>
   </p:clrMapOvr>
+  <p:timing>
+    <p:tnLst>
+      <p:par>
+        <p:cTn id="1" dur="indefinite" restart="never" nodeType="tmRoot"/>
+      </p:par>
+    </p:tnLst>
+  </p:timing>
 </p:sld>
 </file>
 
@@ -3897,12 +5068,69 @@
           <a:prstGeom prst="rect">
             <a:avLst/>
           </a:prstGeom>
-          <a:noFill/>
-        </p:spPr>
+          <a:ln>
+            <a:solidFill>
+              <a:schemeClr val="bg1"/>
+            </a:solidFill>
+          </a:ln>
+        </p:spPr>
+        <p:style>
+          <a:lnRef idx="3">
+            <a:schemeClr val="lt1"/>
+          </a:lnRef>
+          <a:fillRef idx="1">
+            <a:schemeClr val="accent5"/>
+          </a:fillRef>
+          <a:effectRef idx="1">
+            <a:schemeClr val="accent5"/>
+          </a:effectRef>
+          <a:fontRef idx="minor">
+            <a:schemeClr val="lt1"/>
+          </a:fontRef>
+        </p:style>
       </p:pic>
+      <p:sp>
+        <p:nvSpPr>
+          <p:cNvPr id="5" name="Rectangle 4"/>
+          <p:cNvSpPr/>
+          <p:nvPr/>
+        </p:nvSpPr>
+        <p:spPr>
+          <a:xfrm>
+            <a:off x="0" y="3733800"/>
+            <a:ext cx="7315200" cy="457200"/>
+          </a:xfrm>
+          <a:prstGeom prst="rect">
+            <a:avLst/>
+          </a:prstGeom>
+          <a:ln/>
+        </p:spPr>
+        <p:style>
+          <a:lnRef idx="0">
+            <a:schemeClr val="accent5"/>
+          </a:lnRef>
+          <a:fillRef idx="3">
+            <a:schemeClr val="accent5"/>
+          </a:fillRef>
+          <a:effectRef idx="3">
+            <a:schemeClr val="accent5"/>
+          </a:effectRef>
+          <a:fontRef idx="minor">
+            <a:schemeClr val="lt1"/>
+          </a:fontRef>
+        </p:style>
+        <p:txBody>
+          <a:bodyPr rtlCol="0" anchor="ctr"/>
+          <a:lstStyle/>
+          <a:p>
+            <a:pPr algn="ctr"/>
+            <a:endParaRPr lang="en-US"/>
+          </a:p>
+        </p:txBody>
+      </p:sp>
       <p:pic>
         <p:nvPicPr>
-          <p:cNvPr id="4099" name="Picture 3" descr="C:\Users\USER\Desktop\credit_card_fraud\images\page 7.PNG"/>
+          <p:cNvPr id="4100" name="Picture 4" descr="C:\Users\USER\Desktop\gender.PNG"/>
           <p:cNvPicPr>
             <a:picLocks noChangeAspect="1" noChangeArrowheads="1"/>
           </p:cNvPicPr>
@@ -3917,8 +5145,8 @@
         </p:blipFill>
         <p:spPr bwMode="auto">
           <a:xfrm>
-            <a:off x="990600" y="1066800"/>
-            <a:ext cx="2743200" cy="2739219"/>
+            <a:off x="990600" y="999725"/>
+            <a:ext cx="2743200" cy="2657875"/>
           </a:xfrm>
           <a:prstGeom prst="rect">
             <a:avLst/>
@@ -3931,6 +5159,13 @@
   <p:clrMapOvr>
     <a:masterClrMapping/>
   </p:clrMapOvr>
+  <p:timing>
+    <p:tnLst>
+      <p:par>
+        <p:cTn id="1" dur="indefinite" restart="never" nodeType="tmRoot"/>
+      </p:par>
+    </p:tnLst>
+  </p:timing>
 </p:sld>
 </file>
 
@@ -3977,9 +5212,78 @@
           <a:noFill/>
         </p:spPr>
       </p:pic>
+      <p:sp>
+        <p:nvSpPr>
+          <p:cNvPr id="6" name="Rectangle 5"/>
+          <p:cNvSpPr/>
+          <p:nvPr/>
+        </p:nvSpPr>
+        <p:spPr>
+          <a:xfrm>
+            <a:off x="0" y="3733800"/>
+            <a:ext cx="7315200" cy="457200"/>
+          </a:xfrm>
+          <a:prstGeom prst="rect">
+            <a:avLst/>
+          </a:prstGeom>
+          <a:ln/>
+        </p:spPr>
+        <p:style>
+          <a:lnRef idx="0">
+            <a:schemeClr val="accent1"/>
+          </a:lnRef>
+          <a:fillRef idx="3">
+            <a:schemeClr val="accent1"/>
+          </a:fillRef>
+          <a:effectRef idx="3">
+            <a:schemeClr val="accent1"/>
+          </a:effectRef>
+          <a:fontRef idx="minor">
+            <a:schemeClr val="lt1"/>
+          </a:fontRef>
+        </p:style>
+        <p:txBody>
+          <a:bodyPr rtlCol="0" anchor="ctr"/>
+          <a:lstStyle/>
+          <a:p>
+            <a:pPr algn="ctr"/>
+            <a:endParaRPr lang="en-US"/>
+          </a:p>
+        </p:txBody>
+      </p:sp>
+      <p:sp>
+        <p:nvSpPr>
+          <p:cNvPr id="7" name="TextBox 6"/>
+          <p:cNvSpPr txBox="1"/>
+          <p:nvPr/>
+        </p:nvSpPr>
+        <p:spPr>
+          <a:xfrm>
+            <a:off x="2819400" y="533400"/>
+            <a:ext cx="2286000" cy="338554"/>
+          </a:xfrm>
+          <a:prstGeom prst="rect">
+            <a:avLst/>
+          </a:prstGeom>
+          <a:noFill/>
+        </p:spPr>
+        <p:txBody>
+          <a:bodyPr wrap="square" rtlCol="0">
+            <a:spAutoFit/>
+          </a:bodyPr>
+          <a:lstStyle/>
+          <a:p>
+            <a:r>
+              <a:rPr lang="en-US" sz="1600" b="1" dirty="0" smtClean="0"/>
+              <a:t>Model Performance</a:t>
+            </a:r>
+            <a:endParaRPr lang="en-US" sz="1600" b="1" dirty="0"/>
+          </a:p>
+        </p:txBody>
+      </p:sp>
       <p:pic>
         <p:nvPicPr>
-          <p:cNvPr id="6147" name="Picture 3" descr="C:\Users\USER\Desktop\credit_card_fraud\images\performance.PNG"/>
+          <p:cNvPr id="6148" name="Picture 4" descr="C:\Users\USER\Desktop\perform.PNG"/>
           <p:cNvPicPr>
             <a:picLocks noChangeAspect="1" noChangeArrowheads="1"/>
           </p:cNvPicPr>
@@ -3994,8 +5298,8 @@
         </p:blipFill>
         <p:spPr bwMode="auto">
           <a:xfrm>
-            <a:off x="2667000" y="1143000"/>
-            <a:ext cx="4344445" cy="2133600"/>
+            <a:off x="355600" y="990600"/>
+            <a:ext cx="6731000" cy="2730500"/>
           </a:xfrm>
           <a:prstGeom prst="rect">
             <a:avLst/>
@@ -4008,6 +5312,13 @@
   <p:clrMapOvr>
     <a:masterClrMapping/>
   </p:clrMapOvr>
+  <p:timing>
+    <p:tnLst>
+      <p:par>
+        <p:cTn id="1" dur="indefinite" restart="never" nodeType="tmRoot"/>
+      </p:par>
+    </p:tnLst>
+  </p:timing>
 </p:sld>
 </file>
 
@@ -4051,8 +5362,21 @@
           <a:prstGeom prst="rect">
             <a:avLst/>
           </a:prstGeom>
-          <a:noFill/>
-        </p:spPr>
+        </p:spPr>
+        <p:style>
+          <a:lnRef idx="0">
+            <a:schemeClr val="accent1"/>
+          </a:lnRef>
+          <a:fillRef idx="3">
+            <a:schemeClr val="accent1"/>
+          </a:fillRef>
+          <a:effectRef idx="3">
+            <a:schemeClr val="accent1"/>
+          </a:effectRef>
+          <a:fontRef idx="minor">
+            <a:schemeClr val="lt1"/>
+          </a:fontRef>
+        </p:style>
       </p:pic>
       <p:sp>
         <p:nvSpPr>
@@ -4102,7 +5426,7 @@
       </p:sp>
       <p:pic>
         <p:nvPicPr>
-          <p:cNvPr id="8195" name="Picture 3" descr="C:\Users\USER\Desktop\credit_card_fraud\images\Dectector.png"/>
+          <p:cNvPr id="8" name="Picture 4" descr="C:\Users\USER\Desktop\aaa.jpg"/>
           <p:cNvPicPr>
             <a:picLocks noChangeAspect="1" noChangeArrowheads="1"/>
           </p:cNvPicPr>
@@ -4117,20 +5441,40 @@
         </p:blipFill>
         <p:spPr bwMode="auto">
           <a:xfrm>
-            <a:off x="1447800" y="1143000"/>
-            <a:ext cx="2209800" cy="2209800"/>
-          </a:xfrm>
-          <a:prstGeom prst="rect">
+            <a:off x="609600" y="1066800"/>
+            <a:ext cx="3429000" cy="2058498"/>
+          </a:xfrm>
+          <a:prstGeom prst="flowChartAlternateProcess">
             <a:avLst/>
           </a:prstGeom>
-          <a:noFill/>
-        </p:spPr>
+        </p:spPr>
+        <p:style>
+          <a:lnRef idx="0">
+            <a:schemeClr val="accent1"/>
+          </a:lnRef>
+          <a:fillRef idx="3">
+            <a:schemeClr val="accent1"/>
+          </a:fillRef>
+          <a:effectRef idx="3">
+            <a:schemeClr val="accent1"/>
+          </a:effectRef>
+          <a:fontRef idx="minor">
+            <a:schemeClr val="lt1"/>
+          </a:fontRef>
+        </p:style>
       </p:pic>
     </p:spTree>
   </p:cSld>
   <p:clrMapOvr>
     <a:masterClrMapping/>
   </p:clrMapOvr>
+  <p:timing>
+    <p:tnLst>
+      <p:par>
+        <p:cTn id="1" dur="indefinite" restart="never" nodeType="tmRoot"/>
+      </p:par>
+    </p:tnLst>
+  </p:timing>
 </p:sld>
 </file>
 
@@ -4415,4 +5759,287 @@
   <a:objectDefaults/>
   <a:extraClrSchemeLst/>
 </a:theme>
+</file>
+
+<file path=ppt/theme/theme2.xml><?xml version="1.0" encoding="utf-8"?>
+<a:theme xmlns:a="http://schemas.openxmlformats.org/drawingml/2006/main" name="Office Theme">
+  <a:themeElements>
+    <a:clrScheme name="Office">
+      <a:dk1>
+        <a:sysClr val="windowText" lastClr="000000"/>
+      </a:dk1>
+      <a:lt1>
+        <a:sysClr val="window" lastClr="FFFFFF"/>
+      </a:lt1>
+      <a:dk2>
+        <a:srgbClr val="1F497D"/>
+      </a:dk2>
+      <a:lt2>
+        <a:srgbClr val="EEECE1"/>
+      </a:lt2>
+      <a:accent1>
+        <a:srgbClr val="4F81BD"/>
+      </a:accent1>
+      <a:accent2>
+        <a:srgbClr val="C0504D"/>
+      </a:accent2>
+      <a:accent3>
+        <a:srgbClr val="9BBB59"/>
+      </a:accent3>
+      <a:accent4>
+        <a:srgbClr val="8064A2"/>
+      </a:accent4>
+      <a:accent5>
+        <a:srgbClr val="4BACC6"/>
+      </a:accent5>
+      <a:accent6>
+        <a:srgbClr val="F79646"/>
+      </a:accent6>
+      <a:hlink>
+        <a:srgbClr val="0000FF"/>
+      </a:hlink>
+      <a:folHlink>
+        <a:srgbClr val="800080"/>
+      </a:folHlink>
+    </a:clrScheme>
+    <a:fontScheme name="Office">
+      <a:majorFont>
+        <a:latin typeface="Calibri"/>
+        <a:ea typeface=""/>
+        <a:cs typeface=""/>
+        <a:font script="Jpan" typeface="ＭＳ Ｐゴシック"/>
+        <a:font script="Hang" typeface="맑은 고딕"/>
+        <a:font script="Hans" typeface="宋体"/>
+        <a:font script="Hant" typeface="新細明體"/>
+        <a:font script="Arab" typeface="Times New Roman"/>
+        <a:font script="Hebr" typeface="Times New Roman"/>
+        <a:font script="Thai" typeface="Angsana New"/>
+        <a:font script="Ethi" typeface="Nyala"/>
+        <a:font script="Beng" typeface="Vrinda"/>
+        <a:font script="Gujr" typeface="Shruti"/>
+        <a:font script="Khmr" typeface="MoolBoran"/>
+        <a:font script="Knda" typeface="Tunga"/>
+        <a:font script="Guru" typeface="Raavi"/>
+        <a:font script="Cans" typeface="Euphemia"/>
+        <a:font script="Cher" typeface="Plantagenet Cherokee"/>
+        <a:font script="Yiii" typeface="Microsoft Yi Baiti"/>
+        <a:font script="Tibt" typeface="Microsoft Himalaya"/>
+        <a:font script="Thaa" typeface="MV Boli"/>
+        <a:font script="Deva" typeface="Mangal"/>
+        <a:font script="Telu" typeface="Gautami"/>
+        <a:font script="Taml" typeface="Latha"/>
+        <a:font script="Syrc" typeface="Estrangelo Edessa"/>
+        <a:font script="Orya" typeface="Kalinga"/>
+        <a:font script="Mlym" typeface="Kartika"/>
+        <a:font script="Laoo" typeface="DokChampa"/>
+        <a:font script="Sinh" typeface="Iskoola Pota"/>
+        <a:font script="Mong" typeface="Mongolian Baiti"/>
+        <a:font script="Viet" typeface="Times New Roman"/>
+        <a:font script="Uigh" typeface="Microsoft Uighur"/>
+      </a:majorFont>
+      <a:minorFont>
+        <a:latin typeface="Calibri"/>
+        <a:ea typeface=""/>
+        <a:cs typeface=""/>
+        <a:font script="Jpan" typeface="ＭＳ Ｐゴシック"/>
+        <a:font script="Hang" typeface="맑은 고딕"/>
+        <a:font script="Hans" typeface="宋体"/>
+        <a:font script="Hant" typeface="新細明體"/>
+        <a:font script="Arab" typeface="Arial"/>
+        <a:font script="Hebr" typeface="Arial"/>
+        <a:font script="Thai" typeface="Cordia New"/>
+        <a:font script="Ethi" typeface="Nyala"/>
+        <a:font script="Beng" typeface="Vrinda"/>
+        <a:font script="Gujr" typeface="Shruti"/>
+        <a:font script="Khmr" typeface="DaunPenh"/>
+        <a:font script="Knda" typeface="Tunga"/>
+        <a:font script="Guru" typeface="Raavi"/>
+        <a:font script="Cans" typeface="Euphemia"/>
+        <a:font script="Cher" typeface="Plantagenet Cherokee"/>
+        <a:font script="Yiii" typeface="Microsoft Yi Baiti"/>
+        <a:font script="Tibt" typeface="Microsoft Himalaya"/>
+        <a:font script="Thaa" typeface="MV Boli"/>
+        <a:font script="Deva" typeface="Mangal"/>
+        <a:font script="Telu" typeface="Gautami"/>
+        <a:font script="Taml" typeface="Latha"/>
+        <a:font script="Syrc" typeface="Estrangelo Edessa"/>
+        <a:font script="Orya" typeface="Kalinga"/>
+        <a:font script="Mlym" typeface="Kartika"/>
+        <a:font script="Laoo" typeface="DokChampa"/>
+        <a:font script="Sinh" typeface="Iskoola Pota"/>
+        <a:font script="Mong" typeface="Mongolian Baiti"/>
+        <a:font script="Viet" typeface="Arial"/>
+        <a:font script="Uigh" typeface="Microsoft Uighur"/>
+      </a:minorFont>
+    </a:fontScheme>
+    <a:fmtScheme name="Office">
+      <a:fillStyleLst>
+        <a:solidFill>
+          <a:schemeClr val="phClr"/>
+        </a:solidFill>
+        <a:gradFill rotWithShape="1">
+          <a:gsLst>
+            <a:gs pos="0">
+              <a:schemeClr val="phClr">
+                <a:tint val="50000"/>
+                <a:satMod val="300000"/>
+              </a:schemeClr>
+            </a:gs>
+            <a:gs pos="35000">
+              <a:schemeClr val="phClr">
+                <a:tint val="37000"/>
+                <a:satMod val="300000"/>
+              </a:schemeClr>
+            </a:gs>
+            <a:gs pos="100000">
+              <a:schemeClr val="phClr">
+                <a:tint val="15000"/>
+                <a:satMod val="350000"/>
+              </a:schemeClr>
+            </a:gs>
+          </a:gsLst>
+          <a:lin ang="16200000" scaled="1"/>
+        </a:gradFill>
+        <a:gradFill rotWithShape="1">
+          <a:gsLst>
+            <a:gs pos="0">
+              <a:schemeClr val="phClr">
+                <a:shade val="51000"/>
+                <a:satMod val="130000"/>
+              </a:schemeClr>
+            </a:gs>
+            <a:gs pos="80000">
+              <a:schemeClr val="phClr">
+                <a:shade val="93000"/>
+                <a:satMod val="130000"/>
+              </a:schemeClr>
+            </a:gs>
+            <a:gs pos="100000">
+              <a:schemeClr val="phClr">
+                <a:shade val="94000"/>
+                <a:satMod val="135000"/>
+              </a:schemeClr>
+            </a:gs>
+          </a:gsLst>
+          <a:lin ang="16200000" scaled="0"/>
+        </a:gradFill>
+      </a:fillStyleLst>
+      <a:lnStyleLst>
+        <a:ln w="9525" cap="flat" cmpd="sng" algn="ctr">
+          <a:solidFill>
+            <a:schemeClr val="phClr">
+              <a:shade val="95000"/>
+              <a:satMod val="105000"/>
+            </a:schemeClr>
+          </a:solidFill>
+          <a:prstDash val="solid"/>
+        </a:ln>
+        <a:ln w="25400" cap="flat" cmpd="sng" algn="ctr">
+          <a:solidFill>
+            <a:schemeClr val="phClr"/>
+          </a:solidFill>
+          <a:prstDash val="solid"/>
+        </a:ln>
+        <a:ln w="38100" cap="flat" cmpd="sng" algn="ctr">
+          <a:solidFill>
+            <a:schemeClr val="phClr"/>
+          </a:solidFill>
+          <a:prstDash val="solid"/>
+        </a:ln>
+      </a:lnStyleLst>
+      <a:effectStyleLst>
+        <a:effectStyle>
+          <a:effectLst>
+            <a:outerShdw blurRad="40000" dist="20000" dir="5400000" rotWithShape="0">
+              <a:srgbClr val="000000">
+                <a:alpha val="38000"/>
+              </a:srgbClr>
+            </a:outerShdw>
+          </a:effectLst>
+        </a:effectStyle>
+        <a:effectStyle>
+          <a:effectLst>
+            <a:outerShdw blurRad="40000" dist="23000" dir="5400000" rotWithShape="0">
+              <a:srgbClr val="000000">
+                <a:alpha val="35000"/>
+              </a:srgbClr>
+            </a:outerShdw>
+          </a:effectLst>
+        </a:effectStyle>
+        <a:effectStyle>
+          <a:effectLst>
+            <a:outerShdw blurRad="40000" dist="23000" dir="5400000" rotWithShape="0">
+              <a:srgbClr val="000000">
+                <a:alpha val="35000"/>
+              </a:srgbClr>
+            </a:outerShdw>
+          </a:effectLst>
+          <a:scene3d>
+            <a:camera prst="orthographicFront">
+              <a:rot lat="0" lon="0" rev="0"/>
+            </a:camera>
+            <a:lightRig rig="threePt" dir="t">
+              <a:rot lat="0" lon="0" rev="1200000"/>
+            </a:lightRig>
+          </a:scene3d>
+          <a:sp3d>
+            <a:bevelT w="63500" h="25400"/>
+          </a:sp3d>
+        </a:effectStyle>
+      </a:effectStyleLst>
+      <a:bgFillStyleLst>
+        <a:solidFill>
+          <a:schemeClr val="phClr"/>
+        </a:solidFill>
+        <a:gradFill rotWithShape="1">
+          <a:gsLst>
+            <a:gs pos="0">
+              <a:schemeClr val="phClr">
+                <a:tint val="40000"/>
+                <a:satMod val="350000"/>
+              </a:schemeClr>
+            </a:gs>
+            <a:gs pos="40000">
+              <a:schemeClr val="phClr">
+                <a:tint val="45000"/>
+                <a:shade val="99000"/>
+                <a:satMod val="350000"/>
+              </a:schemeClr>
+            </a:gs>
+            <a:gs pos="100000">
+              <a:schemeClr val="phClr">
+                <a:shade val="20000"/>
+                <a:satMod val="255000"/>
+              </a:schemeClr>
+            </a:gs>
+          </a:gsLst>
+          <a:path path="circle">
+            <a:fillToRect l="50000" t="-80000" r="50000" b="180000"/>
+          </a:path>
+        </a:gradFill>
+        <a:gradFill rotWithShape="1">
+          <a:gsLst>
+            <a:gs pos="0">
+              <a:schemeClr val="phClr">
+                <a:tint val="80000"/>
+                <a:satMod val="300000"/>
+              </a:schemeClr>
+            </a:gs>
+            <a:gs pos="100000">
+              <a:schemeClr val="phClr">
+                <a:shade val="30000"/>
+                <a:satMod val="200000"/>
+              </a:schemeClr>
+            </a:gs>
+          </a:gsLst>
+          <a:path path="circle">
+            <a:fillToRect l="50000" t="50000" r="50000" b="50000"/>
+          </a:path>
+        </a:gradFill>
+      </a:bgFillStyleLst>
+    </a:fmtScheme>
+  </a:themeElements>
+  <a:objectDefaults/>
+  <a:extraClrSchemeLst/>
+</a:theme>
 </file>